--- a/Sentinel/reports/SENTINEL_Presentation.pptx
+++ b/Sentinel/reports/SENTINEL_Presentation.pptx
@@ -2843,6 +2843,45 @@
               <a:t>XGBoost  ·  27+ Features  ·  TwiBot-20  ·  NLP  ·  Coordination Detection</a:t>
             </a:r>
             <a:endParaRPr lang="en-US" sz="800" dirty="0"/>
+          </a:p>
+        </p:txBody>
+      </p:sp>
+      <p:sp>
+        <p:nvSpPr>
+          <p:cNvPr id="41" name="TextBox 40">
+            <a:extLst>
+              <a:ext uri="{FF2B5EF4-FFF2-40B4-BE49-F238E27FC236}">
+                <a16:creationId xmlns:a16="http://schemas.microsoft.com/office/drawing/2014/main" id="{33E0B4B2-765C-BE17-A36B-A1324A5ED98A}"/>
+              </a:ext>
+            </a:extLst>
+          </p:cNvPr>
+          <p:cNvSpPr txBox="1"/>
+          <p:nvPr/>
+        </p:nvSpPr>
+        <p:spPr>
+          <a:xfrm>
+            <a:off x="214230" y="3214115"/>
+            <a:ext cx="3779176" cy="307777"/>
+          </a:xfrm>
+          <a:prstGeom prst="rect">
+            <a:avLst/>
+          </a:prstGeom>
+          <a:noFill/>
+        </p:spPr>
+        <p:txBody>
+          <a:bodyPr wrap="none" rtlCol="0">
+            <a:spAutoFit/>
+          </a:bodyPr>
+          <a:lstStyle/>
+          <a:p>
+            <a:r>
+              <a:rPr lang="en-IN" sz="1400" dirty="0">
+                <a:solidFill>
+                  <a:schemeClr val="bg1"/>
+                </a:solidFill>
+              </a:rPr>
+              <a:t>By Rishikesh M Ramasubramaniyan – 22MIA1163</a:t>
+            </a:r>
           </a:p>
         </p:txBody>
       </p:sp>
